--- a/day 6/SAC_Training Day 6.pptx
+++ b/day 6/SAC_Training Day 6.pptx
@@ -175,7 +175,7 @@
             </a:lvl1pPr>
           </a:lstStyle>
           <a:p>
-            <a:endParaRPr lang="en-US"/>
+            <a:endParaRPr lang="en-US" dirty="0"/>
           </a:p>
         </p:txBody>
       </p:sp>
@@ -208,9 +208,9 @@
           <a:p>
             <a:fld id="{4AF2A06D-4991-4208-8C88-4E8BAD69A8B8}" type="datetimeFigureOut">
               <a:rPr lang="en-US" smtClean="0"/>
-              <a:t>12/14/2020</a:t>
+              <a:t>11/19/2021</a:t>
             </a:fld>
-            <a:endParaRPr lang="en-US"/>
+            <a:endParaRPr lang="en-US" dirty="0"/>
           </a:p>
         </p:txBody>
       </p:sp>
@@ -243,7 +243,7 @@
           <a:bodyPr vert="horz" lIns="91440" tIns="45720" rIns="91440" bIns="45720" rtlCol="0" anchor="ctr"/>
           <a:lstStyle/>
           <a:p>
-            <a:endParaRPr lang="en-US"/>
+            <a:endParaRPr lang="en-US" dirty="0"/>
           </a:p>
         </p:txBody>
       </p:sp>
@@ -333,7 +333,7 @@
             </a:lvl1pPr>
           </a:lstStyle>
           <a:p>
-            <a:endParaRPr lang="en-US"/>
+            <a:endParaRPr lang="en-US" dirty="0"/>
           </a:p>
         </p:txBody>
       </p:sp>
@@ -368,7 +368,7 @@
               <a:rPr lang="en-US" smtClean="0"/>
               <a:t>‹#›</a:t>
             </a:fld>
-            <a:endParaRPr lang="en-US"/>
+            <a:endParaRPr lang="en-US" dirty="0"/>
           </a:p>
         </p:txBody>
       </p:sp>
@@ -542,7 +542,7 @@
               <a:rPr lang="en-US" smtClean="0"/>
               <a:t>1</a:t>
             </a:fld>
-            <a:endParaRPr lang="en-US"/>
+            <a:endParaRPr lang="en-US" dirty="0"/>
           </a:p>
         </p:txBody>
       </p:sp>
@@ -673,7 +673,7 @@
               </a:pPr>
               <a:t>12</a:t>
             </a:fld>
-            <a:endParaRPr kumimoji="0" lang="en-US" sz="1200" b="0" i="0" u="none" strike="noStrike" kern="1200" cap="none" spc="0" normalizeH="0" baseline="0" noProof="0">
+            <a:endParaRPr kumimoji="0" lang="en-US" sz="1200" b="0" i="0" u="none" strike="noStrike" kern="1200" cap="none" spc="0" normalizeH="0" baseline="0" noProof="0" dirty="0">
               <a:ln>
                 <a:noFill/>
               </a:ln>
@@ -832,9 +832,9 @@
           <a:p>
             <a:fld id="{E26E0DA5-0C76-4851-AA82-0B75261F9EB4}" type="datetimeFigureOut">
               <a:rPr lang="en-US" smtClean="0"/>
-              <a:t>12/14/2020</a:t>
+              <a:t>11/19/2021</a:t>
             </a:fld>
-            <a:endParaRPr lang="en-US"/>
+            <a:endParaRPr lang="en-US" dirty="0"/>
           </a:p>
         </p:txBody>
       </p:sp>
@@ -853,7 +853,7 @@
           <a:bodyPr/>
           <a:lstStyle/>
           <a:p>
-            <a:endParaRPr lang="en-US"/>
+            <a:endParaRPr lang="en-US" dirty="0"/>
           </a:p>
         </p:txBody>
       </p:sp>
@@ -876,7 +876,7 @@
               <a:rPr lang="en-US" smtClean="0"/>
               <a:t>‹#›</a:t>
             </a:fld>
-            <a:endParaRPr lang="en-US"/>
+            <a:endParaRPr lang="en-US" dirty="0"/>
           </a:p>
         </p:txBody>
       </p:sp>
@@ -1000,9 +1000,9 @@
           <a:p>
             <a:fld id="{E26E0DA5-0C76-4851-AA82-0B75261F9EB4}" type="datetimeFigureOut">
               <a:rPr lang="en-US" smtClean="0"/>
-              <a:t>12/14/2020</a:t>
+              <a:t>11/19/2021</a:t>
             </a:fld>
-            <a:endParaRPr lang="en-US"/>
+            <a:endParaRPr lang="en-US" dirty="0"/>
           </a:p>
         </p:txBody>
       </p:sp>
@@ -1021,7 +1021,7 @@
           <a:bodyPr/>
           <a:lstStyle/>
           <a:p>
-            <a:endParaRPr lang="en-US"/>
+            <a:endParaRPr lang="en-US" dirty="0"/>
           </a:p>
         </p:txBody>
       </p:sp>
@@ -1044,7 +1044,7 @@
               <a:rPr lang="en-US" smtClean="0"/>
               <a:t>‹#›</a:t>
             </a:fld>
-            <a:endParaRPr lang="en-US"/>
+            <a:endParaRPr lang="en-US" dirty="0"/>
           </a:p>
         </p:txBody>
       </p:sp>
@@ -1178,9 +1178,9 @@
           <a:p>
             <a:fld id="{E26E0DA5-0C76-4851-AA82-0B75261F9EB4}" type="datetimeFigureOut">
               <a:rPr lang="en-US" smtClean="0"/>
-              <a:t>12/14/2020</a:t>
+              <a:t>11/19/2021</a:t>
             </a:fld>
-            <a:endParaRPr lang="en-US"/>
+            <a:endParaRPr lang="en-US" dirty="0"/>
           </a:p>
         </p:txBody>
       </p:sp>
@@ -1199,7 +1199,7 @@
           <a:bodyPr/>
           <a:lstStyle/>
           <a:p>
-            <a:endParaRPr lang="en-US"/>
+            <a:endParaRPr lang="en-US" dirty="0"/>
           </a:p>
         </p:txBody>
       </p:sp>
@@ -1222,7 +1222,7 @@
               <a:rPr lang="en-US" smtClean="0"/>
               <a:t>‹#›</a:t>
             </a:fld>
-            <a:endParaRPr lang="en-US"/>
+            <a:endParaRPr lang="en-US" dirty="0"/>
           </a:p>
         </p:txBody>
       </p:sp>
@@ -1302,9 +1302,9 @@
             <a:fld id="{425404F2-BE9A-4460-8815-8F645183555F}" type="datetimeFigureOut">
               <a:rPr lang="en-US" smtClean="0"/>
               <a:pPr/>
-              <a:t>12/14/2020</a:t>
+              <a:t>11/19/2021</a:t>
             </a:fld>
-            <a:endParaRPr lang="en-US"/>
+            <a:endParaRPr lang="en-US" dirty="0"/>
           </a:p>
         </p:txBody>
       </p:sp>
@@ -1323,7 +1323,7 @@
           <a:bodyPr/>
           <a:lstStyle/>
           <a:p>
-            <a:endParaRPr lang="en-US"/>
+            <a:endParaRPr lang="en-US" dirty="0"/>
           </a:p>
         </p:txBody>
       </p:sp>
@@ -1347,7 +1347,7 @@
               <a:pPr/>
               <a:t>‹#›</a:t>
             </a:fld>
-            <a:endParaRPr lang="en-US"/>
+            <a:endParaRPr lang="en-US" dirty="0"/>
           </a:p>
         </p:txBody>
       </p:sp>
@@ -1484,9 +1484,9 @@
             <a:fld id="{425404F2-BE9A-4460-8815-8F645183555F}" type="datetimeFigureOut">
               <a:rPr lang="en-US" smtClean="0"/>
               <a:pPr/>
-              <a:t>12/14/2020</a:t>
+              <a:t>11/19/2021</a:t>
             </a:fld>
-            <a:endParaRPr lang="en-US"/>
+            <a:endParaRPr lang="en-US" dirty="0"/>
           </a:p>
         </p:txBody>
       </p:sp>
@@ -1505,7 +1505,7 @@
           <a:bodyPr/>
           <a:lstStyle/>
           <a:p>
-            <a:endParaRPr lang="en-US"/>
+            <a:endParaRPr lang="en-US" dirty="0"/>
           </a:p>
         </p:txBody>
       </p:sp>
@@ -1529,7 +1529,7 @@
               <a:pPr/>
               <a:t>‹#›</a:t>
             </a:fld>
-            <a:endParaRPr lang="en-US"/>
+            <a:endParaRPr lang="en-US" dirty="0"/>
           </a:p>
         </p:txBody>
       </p:sp>
@@ -1710,9 +1710,9 @@
           <a:p>
             <a:fld id="{E26E0DA5-0C76-4851-AA82-0B75261F9EB4}" type="datetimeFigureOut">
               <a:rPr lang="en-US" smtClean="0"/>
-              <a:t>12/14/2020</a:t>
+              <a:t>11/19/2021</a:t>
             </a:fld>
-            <a:endParaRPr lang="en-US"/>
+            <a:endParaRPr lang="en-US" dirty="0"/>
           </a:p>
         </p:txBody>
       </p:sp>
@@ -1731,7 +1731,7 @@
           <a:bodyPr/>
           <a:lstStyle/>
           <a:p>
-            <a:endParaRPr lang="en-US"/>
+            <a:endParaRPr lang="en-US" dirty="0"/>
           </a:p>
         </p:txBody>
       </p:sp>
@@ -1754,7 +1754,7 @@
               <a:rPr lang="en-US" smtClean="0"/>
               <a:t>‹#›</a:t>
             </a:fld>
-            <a:endParaRPr lang="en-US"/>
+            <a:endParaRPr lang="en-US" dirty="0"/>
           </a:p>
         </p:txBody>
       </p:sp>
@@ -1955,9 +1955,9 @@
           <a:p>
             <a:fld id="{E26E0DA5-0C76-4851-AA82-0B75261F9EB4}" type="datetimeFigureOut">
               <a:rPr lang="en-US" smtClean="0"/>
-              <a:t>12/14/2020</a:t>
+              <a:t>11/19/2021</a:t>
             </a:fld>
-            <a:endParaRPr lang="en-US"/>
+            <a:endParaRPr lang="en-US" dirty="0"/>
           </a:p>
         </p:txBody>
       </p:sp>
@@ -1976,7 +1976,7 @@
           <a:bodyPr/>
           <a:lstStyle/>
           <a:p>
-            <a:endParaRPr lang="en-US"/>
+            <a:endParaRPr lang="en-US" dirty="0"/>
           </a:p>
         </p:txBody>
       </p:sp>
@@ -1999,7 +1999,7 @@
               <a:rPr lang="en-US" smtClean="0"/>
               <a:t>‹#›</a:t>
             </a:fld>
-            <a:endParaRPr lang="en-US"/>
+            <a:endParaRPr lang="en-US" dirty="0"/>
           </a:p>
         </p:txBody>
       </p:sp>
@@ -2184,9 +2184,9 @@
           <a:p>
             <a:fld id="{E26E0DA5-0C76-4851-AA82-0B75261F9EB4}" type="datetimeFigureOut">
               <a:rPr lang="en-US" smtClean="0"/>
-              <a:t>12/14/2020</a:t>
+              <a:t>11/19/2021</a:t>
             </a:fld>
-            <a:endParaRPr lang="en-US"/>
+            <a:endParaRPr lang="en-US" dirty="0"/>
           </a:p>
         </p:txBody>
       </p:sp>
@@ -2205,7 +2205,7 @@
           <a:bodyPr/>
           <a:lstStyle/>
           <a:p>
-            <a:endParaRPr lang="en-US"/>
+            <a:endParaRPr lang="en-US" dirty="0"/>
           </a:p>
         </p:txBody>
       </p:sp>
@@ -2228,7 +2228,7 @@
               <a:rPr lang="en-US" smtClean="0"/>
               <a:t>‹#›</a:t>
             </a:fld>
-            <a:endParaRPr lang="en-US"/>
+            <a:endParaRPr lang="en-US" dirty="0"/>
           </a:p>
         </p:txBody>
       </p:sp>
@@ -2548,9 +2548,9 @@
           <a:p>
             <a:fld id="{E26E0DA5-0C76-4851-AA82-0B75261F9EB4}" type="datetimeFigureOut">
               <a:rPr lang="en-US" smtClean="0"/>
-              <a:t>12/14/2020</a:t>
+              <a:t>11/19/2021</a:t>
             </a:fld>
-            <a:endParaRPr lang="en-US"/>
+            <a:endParaRPr lang="en-US" dirty="0"/>
           </a:p>
         </p:txBody>
       </p:sp>
@@ -2569,7 +2569,7 @@
           <a:bodyPr/>
           <a:lstStyle/>
           <a:p>
-            <a:endParaRPr lang="en-US"/>
+            <a:endParaRPr lang="en-US" dirty="0"/>
           </a:p>
         </p:txBody>
       </p:sp>
@@ -2592,7 +2592,7 @@
               <a:rPr lang="en-US" smtClean="0"/>
               <a:t>‹#›</a:t>
             </a:fld>
-            <a:endParaRPr lang="en-US"/>
+            <a:endParaRPr lang="en-US" dirty="0"/>
           </a:p>
         </p:txBody>
       </p:sp>
@@ -2665,9 +2665,9 @@
           <a:p>
             <a:fld id="{E26E0DA5-0C76-4851-AA82-0B75261F9EB4}" type="datetimeFigureOut">
               <a:rPr lang="en-US" smtClean="0"/>
-              <a:t>12/14/2020</a:t>
+              <a:t>11/19/2021</a:t>
             </a:fld>
-            <a:endParaRPr lang="en-US"/>
+            <a:endParaRPr lang="en-US" dirty="0"/>
           </a:p>
         </p:txBody>
       </p:sp>
@@ -2686,7 +2686,7 @@
           <a:bodyPr/>
           <a:lstStyle/>
           <a:p>
-            <a:endParaRPr lang="en-US"/>
+            <a:endParaRPr lang="en-US" dirty="0"/>
           </a:p>
         </p:txBody>
       </p:sp>
@@ -2709,7 +2709,7 @@
               <a:rPr lang="en-US" smtClean="0"/>
               <a:t>‹#›</a:t>
             </a:fld>
-            <a:endParaRPr lang="en-US"/>
+            <a:endParaRPr lang="en-US" dirty="0"/>
           </a:p>
         </p:txBody>
       </p:sp>
@@ -2760,9 +2760,9 @@
           <a:p>
             <a:fld id="{E26E0DA5-0C76-4851-AA82-0B75261F9EB4}" type="datetimeFigureOut">
               <a:rPr lang="en-US" smtClean="0"/>
-              <a:t>12/14/2020</a:t>
+              <a:t>11/19/2021</a:t>
             </a:fld>
-            <a:endParaRPr lang="en-US"/>
+            <a:endParaRPr lang="en-US" dirty="0"/>
           </a:p>
         </p:txBody>
       </p:sp>
@@ -2781,7 +2781,7 @@
           <a:bodyPr/>
           <a:lstStyle/>
           <a:p>
-            <a:endParaRPr lang="en-US"/>
+            <a:endParaRPr lang="en-US" dirty="0"/>
           </a:p>
         </p:txBody>
       </p:sp>
@@ -2804,7 +2804,7 @@
               <a:rPr lang="en-US" smtClean="0"/>
               <a:t>‹#›</a:t>
             </a:fld>
-            <a:endParaRPr lang="en-US"/>
+            <a:endParaRPr lang="en-US" dirty="0"/>
           </a:p>
         </p:txBody>
       </p:sp>
@@ -3035,9 +3035,9 @@
           <a:p>
             <a:fld id="{E26E0DA5-0C76-4851-AA82-0B75261F9EB4}" type="datetimeFigureOut">
               <a:rPr lang="en-US" smtClean="0"/>
-              <a:t>12/14/2020</a:t>
+              <a:t>11/19/2021</a:t>
             </a:fld>
-            <a:endParaRPr lang="en-US"/>
+            <a:endParaRPr lang="en-US" dirty="0"/>
           </a:p>
         </p:txBody>
       </p:sp>
@@ -3056,7 +3056,7 @@
           <a:bodyPr/>
           <a:lstStyle/>
           <a:p>
-            <a:endParaRPr lang="en-US"/>
+            <a:endParaRPr lang="en-US" dirty="0"/>
           </a:p>
         </p:txBody>
       </p:sp>
@@ -3079,7 +3079,7 @@
               <a:rPr lang="en-US" smtClean="0"/>
               <a:t>‹#›</a:t>
             </a:fld>
-            <a:endParaRPr lang="en-US"/>
+            <a:endParaRPr lang="en-US" dirty="0"/>
           </a:p>
         </p:txBody>
       </p:sp>
@@ -3201,7 +3201,7 @@
             </a:lvl9pPr>
           </a:lstStyle>
           <a:p>
-            <a:endParaRPr lang="en-US"/>
+            <a:endParaRPr lang="en-US" dirty="0"/>
           </a:p>
         </p:txBody>
       </p:sp>
@@ -3287,9 +3287,9 @@
           <a:p>
             <a:fld id="{E26E0DA5-0C76-4851-AA82-0B75261F9EB4}" type="datetimeFigureOut">
               <a:rPr lang="en-US" smtClean="0"/>
-              <a:t>12/14/2020</a:t>
+              <a:t>11/19/2021</a:t>
             </a:fld>
-            <a:endParaRPr lang="en-US"/>
+            <a:endParaRPr lang="en-US" dirty="0"/>
           </a:p>
         </p:txBody>
       </p:sp>
@@ -3308,7 +3308,7 @@
           <a:bodyPr/>
           <a:lstStyle/>
           <a:p>
-            <a:endParaRPr lang="en-US"/>
+            <a:endParaRPr lang="en-US" dirty="0"/>
           </a:p>
         </p:txBody>
       </p:sp>
@@ -3331,7 +3331,7 @@
               <a:rPr lang="en-US" smtClean="0"/>
               <a:t>‹#›</a:t>
             </a:fld>
-            <a:endParaRPr lang="en-US"/>
+            <a:endParaRPr lang="en-US" dirty="0"/>
           </a:p>
         </p:txBody>
       </p:sp>
@@ -3498,9 +3498,9 @@
           <a:p>
             <a:fld id="{E26E0DA5-0C76-4851-AA82-0B75261F9EB4}" type="datetimeFigureOut">
               <a:rPr lang="en-US" smtClean="0"/>
-              <a:t>12/14/2020</a:t>
+              <a:t>11/19/2021</a:t>
             </a:fld>
-            <a:endParaRPr lang="en-US"/>
+            <a:endParaRPr lang="en-US" dirty="0"/>
           </a:p>
         </p:txBody>
       </p:sp>
@@ -3537,7 +3537,7 @@
             </a:lvl1pPr>
           </a:lstStyle>
           <a:p>
-            <a:endParaRPr lang="en-US"/>
+            <a:endParaRPr lang="en-US" dirty="0"/>
           </a:p>
         </p:txBody>
       </p:sp>
@@ -3578,7 +3578,7 @@
               <a:rPr lang="en-US" smtClean="0"/>
               <a:t>‹#›</a:t>
             </a:fld>
-            <a:endParaRPr lang="en-US"/>
+            <a:endParaRPr lang="en-US" dirty="0"/>
           </a:p>
         </p:txBody>
       </p:sp>
@@ -4083,7 +4083,7 @@
         <p:spPr>
           <a:xfrm>
             <a:off x="187367" y="2062424"/>
-            <a:ext cx="6629399" cy="1200329"/>
+            <a:ext cx="6629399" cy="1754326"/>
           </a:xfrm>
           <a:prstGeom prst="rect">
             <a:avLst/>
@@ -4102,8 +4102,31 @@
                   <a:schemeClr val="bg1"/>
                 </a:solidFill>
               </a:rPr>
-              <a:t>Anurag Bajaj</a:t>
-            </a:r>
+              <a:t>Anurag </a:t>
+            </a:r>
+            <a:r>
+              <a:rPr lang="en-US" sz="3600" spc="-150" dirty="0" smtClean="0">
+                <a:solidFill>
+                  <a:schemeClr val="bg1"/>
+                </a:solidFill>
+              </a:rPr>
+              <a:t>Bajaj</a:t>
+            </a:r>
+          </a:p>
+          <a:p>
+            <a:r>
+              <a:rPr lang="en-US" sz="3600" spc="-150" dirty="0" smtClean="0">
+                <a:solidFill>
+                  <a:schemeClr val="bg1"/>
+                </a:solidFill>
+              </a:rPr>
+              <a:t>Shubham Singh</a:t>
+            </a:r>
+            <a:endParaRPr lang="en-US" sz="3600" spc="-150" dirty="0">
+              <a:solidFill>
+                <a:schemeClr val="bg1"/>
+              </a:solidFill>
+            </a:endParaRPr>
           </a:p>
           <a:p>
             <a:r>
@@ -4164,7 +4187,7 @@
           <p:cNvPr id="2" name="Title 3">
             <a:extLst>
               <a:ext uri="{FF2B5EF4-FFF2-40B4-BE49-F238E27FC236}">
-                <a16:creationId xmlns:a16="http://schemas.microsoft.com/office/drawing/2014/main" id="{F07FC580-E2AB-4C55-8C95-D5E077A1D127}"/>
+                <a16:creationId xmlns:a16="http://schemas.microsoft.com/office/drawing/2014/main" xmlns="" id="{F07FC580-E2AB-4C55-8C95-D5E077A1D127}"/>
               </a:ext>
             </a:extLst>
           </p:cNvPr>
@@ -4213,7 +4236,7 @@
           <p:cNvPr id="7" name="TextBox 6">
             <a:extLst>
               <a:ext uri="{FF2B5EF4-FFF2-40B4-BE49-F238E27FC236}">
-                <a16:creationId xmlns:a16="http://schemas.microsoft.com/office/drawing/2014/main" id="{17EB74BE-8011-4153-8F37-3BEF9C1F4CC0}"/>
+                <a16:creationId xmlns:a16="http://schemas.microsoft.com/office/drawing/2014/main" xmlns="" id="{17EB74BE-8011-4153-8F37-3BEF9C1F4CC0}"/>
               </a:ext>
             </a:extLst>
           </p:cNvPr>
@@ -4278,7 +4301,7 @@
           <p:cNvPr id="1028" name="Picture 4" descr="Free Vector | Flat people with question marks background">
             <a:extLst>
               <a:ext uri="{FF2B5EF4-FFF2-40B4-BE49-F238E27FC236}">
-                <a16:creationId xmlns:a16="http://schemas.microsoft.com/office/drawing/2014/main" id="{E158EC70-4769-4E41-A278-C90EC4E480C7}"/>
+                <a16:creationId xmlns:a16="http://schemas.microsoft.com/office/drawing/2014/main" xmlns="" id="{E158EC70-4769-4E41-A278-C90EC4E480C7}"/>
               </a:ext>
             </a:extLst>
           </p:cNvPr>
@@ -4323,7 +4346,7 @@
           <p:cNvPr id="2" name="TextBox 1">
             <a:extLst>
               <a:ext uri="{FF2B5EF4-FFF2-40B4-BE49-F238E27FC236}">
-                <a16:creationId xmlns:a16="http://schemas.microsoft.com/office/drawing/2014/main" id="{994C3DB2-D47E-4B94-804B-87AF1FDEF86E}"/>
+                <a16:creationId xmlns:a16="http://schemas.microsoft.com/office/drawing/2014/main" xmlns="" id="{994C3DB2-D47E-4B94-804B-87AF1FDEF86E}"/>
               </a:ext>
             </a:extLst>
           </p:cNvPr>
@@ -4398,7 +4421,7 @@
           <p:cNvPr id="2052" name="Picture 4" descr="Ski Jumping Arena - Free Presentation Templates">
             <a:extLst>
               <a:ext uri="{FF2B5EF4-FFF2-40B4-BE49-F238E27FC236}">
-                <a16:creationId xmlns:a16="http://schemas.microsoft.com/office/drawing/2014/main" id="{B0D7E6A1-F72A-4F69-B4FB-A4ED7A0C6CED}"/>
+                <a16:creationId xmlns:a16="http://schemas.microsoft.com/office/drawing/2014/main" xmlns="" id="{B0D7E6A1-F72A-4F69-B4FB-A4ED7A0C6CED}"/>
               </a:ext>
             </a:extLst>
           </p:cNvPr>
@@ -4586,7 +4609,7 @@
           <p:cNvPr id="2" name="Title 3">
             <a:extLst>
               <a:ext uri="{FF2B5EF4-FFF2-40B4-BE49-F238E27FC236}">
-                <a16:creationId xmlns:a16="http://schemas.microsoft.com/office/drawing/2014/main" id="{F07FC580-E2AB-4C55-8C95-D5E077A1D127}"/>
+                <a16:creationId xmlns:a16="http://schemas.microsoft.com/office/drawing/2014/main" xmlns="" id="{F07FC580-E2AB-4C55-8C95-D5E077A1D127}"/>
               </a:ext>
             </a:extLst>
           </p:cNvPr>
@@ -4668,7 +4691,7 @@
           <p:cNvPr id="4" name="Footer Placeholder 45">
             <a:extLst>
               <a:ext uri="{FF2B5EF4-FFF2-40B4-BE49-F238E27FC236}">
-                <a16:creationId xmlns:a16="http://schemas.microsoft.com/office/drawing/2014/main" id="{90E33047-DFF5-4690-8905-31E4C115EFDC}"/>
+                <a16:creationId xmlns:a16="http://schemas.microsoft.com/office/drawing/2014/main" xmlns="" id="{90E33047-DFF5-4690-8905-31E4C115EFDC}"/>
               </a:ext>
             </a:extLst>
           </p:cNvPr>
@@ -4731,7 +4754,7 @@
           <p:cNvPr id="5" name="TextBox 4">
             <a:extLst>
               <a:ext uri="{FF2B5EF4-FFF2-40B4-BE49-F238E27FC236}">
-                <a16:creationId xmlns:a16="http://schemas.microsoft.com/office/drawing/2014/main" id="{27E5B41D-1DDF-48C9-A5AF-075F84492B68}"/>
+                <a16:creationId xmlns:a16="http://schemas.microsoft.com/office/drawing/2014/main" xmlns="" id="{27E5B41D-1DDF-48C9-A5AF-075F84492B68}"/>
               </a:ext>
             </a:extLst>
           </p:cNvPr>
@@ -5306,7 +5329,7 @@
           <p:cNvPr id="37" name="TextBox 36">
             <a:extLst>
               <a:ext uri="{FF2B5EF4-FFF2-40B4-BE49-F238E27FC236}">
-                <a16:creationId xmlns:a16="http://schemas.microsoft.com/office/drawing/2014/main" id="{E8CAC22F-1542-4031-BC6C-A16989886504}"/>
+                <a16:creationId xmlns:a16="http://schemas.microsoft.com/office/drawing/2014/main" xmlns="" id="{E8CAC22F-1542-4031-BC6C-A16989886504}"/>
               </a:ext>
             </a:extLst>
           </p:cNvPr>
@@ -5359,7 +5382,7 @@
           <p:cNvPr id="40" name="Picture 39">
             <a:extLst>
               <a:ext uri="{FF2B5EF4-FFF2-40B4-BE49-F238E27FC236}">
-                <a16:creationId xmlns:a16="http://schemas.microsoft.com/office/drawing/2014/main" id="{DA60E6FB-8C44-4FEB-B6E9-83DA908565CD}"/>
+                <a16:creationId xmlns:a16="http://schemas.microsoft.com/office/drawing/2014/main" xmlns="" id="{DA60E6FB-8C44-4FEB-B6E9-83DA908565CD}"/>
               </a:ext>
             </a:extLst>
           </p:cNvPr>
@@ -5395,7 +5418,7 @@
           <p:cNvPr id="41" name="Straight Connector 40">
             <a:extLst>
               <a:ext uri="{FF2B5EF4-FFF2-40B4-BE49-F238E27FC236}">
-                <a16:creationId xmlns:a16="http://schemas.microsoft.com/office/drawing/2014/main" id="{3B3B7D73-CAE9-45AC-ACCE-FAEF4E505C7A}"/>
+                <a16:creationId xmlns:a16="http://schemas.microsoft.com/office/drawing/2014/main" xmlns="" id="{3B3B7D73-CAE9-45AC-ACCE-FAEF4E505C7A}"/>
               </a:ext>
             </a:extLst>
           </p:cNvPr>
@@ -5431,7 +5454,7 @@
           <p:cNvPr id="2" name="TextBox 1">
             <a:extLst>
               <a:ext uri="{FF2B5EF4-FFF2-40B4-BE49-F238E27FC236}">
-                <a16:creationId xmlns:a16="http://schemas.microsoft.com/office/drawing/2014/main" id="{FB10A3A0-3BC8-4D12-8C90-678E5C29CA4B}"/>
+                <a16:creationId xmlns:a16="http://schemas.microsoft.com/office/drawing/2014/main" xmlns="" id="{FB10A3A0-3BC8-4D12-8C90-678E5C29CA4B}"/>
               </a:ext>
             </a:extLst>
           </p:cNvPr>
@@ -5570,7 +5593,7 @@
           <p:cNvPr id="37" name="TextBox 36">
             <a:extLst>
               <a:ext uri="{FF2B5EF4-FFF2-40B4-BE49-F238E27FC236}">
-                <a16:creationId xmlns:a16="http://schemas.microsoft.com/office/drawing/2014/main" id="{E8CAC22F-1542-4031-BC6C-A16989886504}"/>
+                <a16:creationId xmlns:a16="http://schemas.microsoft.com/office/drawing/2014/main" xmlns="" id="{E8CAC22F-1542-4031-BC6C-A16989886504}"/>
               </a:ext>
             </a:extLst>
           </p:cNvPr>
@@ -5623,7 +5646,7 @@
           <p:cNvPr id="40" name="Picture 39">
             <a:extLst>
               <a:ext uri="{FF2B5EF4-FFF2-40B4-BE49-F238E27FC236}">
-                <a16:creationId xmlns:a16="http://schemas.microsoft.com/office/drawing/2014/main" id="{DA60E6FB-8C44-4FEB-B6E9-83DA908565CD}"/>
+                <a16:creationId xmlns:a16="http://schemas.microsoft.com/office/drawing/2014/main" xmlns="" id="{DA60E6FB-8C44-4FEB-B6E9-83DA908565CD}"/>
               </a:ext>
             </a:extLst>
           </p:cNvPr>
@@ -5659,7 +5682,7 @@
           <p:cNvPr id="41" name="Straight Connector 40">
             <a:extLst>
               <a:ext uri="{FF2B5EF4-FFF2-40B4-BE49-F238E27FC236}">
-                <a16:creationId xmlns:a16="http://schemas.microsoft.com/office/drawing/2014/main" id="{3B3B7D73-CAE9-45AC-ACCE-FAEF4E505C7A}"/>
+                <a16:creationId xmlns:a16="http://schemas.microsoft.com/office/drawing/2014/main" xmlns="" id="{3B3B7D73-CAE9-45AC-ACCE-FAEF4E505C7A}"/>
               </a:ext>
             </a:extLst>
           </p:cNvPr>
@@ -5695,7 +5718,7 @@
           <p:cNvPr id="2" name="TextBox 1">
             <a:extLst>
               <a:ext uri="{FF2B5EF4-FFF2-40B4-BE49-F238E27FC236}">
-                <a16:creationId xmlns:a16="http://schemas.microsoft.com/office/drawing/2014/main" id="{FB10A3A0-3BC8-4D12-8C90-678E5C29CA4B}"/>
+                <a16:creationId xmlns:a16="http://schemas.microsoft.com/office/drawing/2014/main" xmlns="" id="{FB10A3A0-3BC8-4D12-8C90-678E5C29CA4B}"/>
               </a:ext>
             </a:extLst>
           </p:cNvPr>
@@ -5843,7 +5866,7 @@
           <p:cNvPr id="37" name="TextBox 36">
             <a:extLst>
               <a:ext uri="{FF2B5EF4-FFF2-40B4-BE49-F238E27FC236}">
-                <a16:creationId xmlns:a16="http://schemas.microsoft.com/office/drawing/2014/main" id="{E8CAC22F-1542-4031-BC6C-A16989886504}"/>
+                <a16:creationId xmlns:a16="http://schemas.microsoft.com/office/drawing/2014/main" xmlns="" id="{E8CAC22F-1542-4031-BC6C-A16989886504}"/>
               </a:ext>
             </a:extLst>
           </p:cNvPr>
@@ -5896,7 +5919,7 @@
           <p:cNvPr id="40" name="Picture 39">
             <a:extLst>
               <a:ext uri="{FF2B5EF4-FFF2-40B4-BE49-F238E27FC236}">
-                <a16:creationId xmlns:a16="http://schemas.microsoft.com/office/drawing/2014/main" id="{DA60E6FB-8C44-4FEB-B6E9-83DA908565CD}"/>
+                <a16:creationId xmlns:a16="http://schemas.microsoft.com/office/drawing/2014/main" xmlns="" id="{DA60E6FB-8C44-4FEB-B6E9-83DA908565CD}"/>
               </a:ext>
             </a:extLst>
           </p:cNvPr>
@@ -5932,7 +5955,7 @@
           <p:cNvPr id="41" name="Straight Connector 40">
             <a:extLst>
               <a:ext uri="{FF2B5EF4-FFF2-40B4-BE49-F238E27FC236}">
-                <a16:creationId xmlns:a16="http://schemas.microsoft.com/office/drawing/2014/main" id="{3B3B7D73-CAE9-45AC-ACCE-FAEF4E505C7A}"/>
+                <a16:creationId xmlns:a16="http://schemas.microsoft.com/office/drawing/2014/main" xmlns="" id="{3B3B7D73-CAE9-45AC-ACCE-FAEF4E505C7A}"/>
               </a:ext>
             </a:extLst>
           </p:cNvPr>
@@ -5968,7 +5991,7 @@
           <p:cNvPr id="2" name="Rectangle 1">
             <a:extLst>
               <a:ext uri="{FF2B5EF4-FFF2-40B4-BE49-F238E27FC236}">
-                <a16:creationId xmlns:a16="http://schemas.microsoft.com/office/drawing/2014/main" id="{868EA34F-ED9F-4BF7-A969-627C80F2882A}"/>
+                <a16:creationId xmlns:a16="http://schemas.microsoft.com/office/drawing/2014/main" xmlns="" id="{868EA34F-ED9F-4BF7-A969-627C80F2882A}"/>
               </a:ext>
             </a:extLst>
           </p:cNvPr>
@@ -6017,7 +6040,7 @@
           <p:cNvPr id="3" name="Rectangle 2">
             <a:extLst>
               <a:ext uri="{FF2B5EF4-FFF2-40B4-BE49-F238E27FC236}">
-                <a16:creationId xmlns:a16="http://schemas.microsoft.com/office/drawing/2014/main" id="{2BDD5329-F997-41AF-90A1-6358F9EA18A7}"/>
+                <a16:creationId xmlns:a16="http://schemas.microsoft.com/office/drawing/2014/main" xmlns="" id="{2BDD5329-F997-41AF-90A1-6358F9EA18A7}"/>
               </a:ext>
             </a:extLst>
           </p:cNvPr>
@@ -6066,7 +6089,7 @@
           <p:cNvPr id="4" name="Rectangle 3">
             <a:extLst>
               <a:ext uri="{FF2B5EF4-FFF2-40B4-BE49-F238E27FC236}">
-                <a16:creationId xmlns:a16="http://schemas.microsoft.com/office/drawing/2014/main" id="{E3B143A0-F034-43D7-BF9F-75AFFDD31FE2}"/>
+                <a16:creationId xmlns:a16="http://schemas.microsoft.com/office/drawing/2014/main" xmlns="" id="{E3B143A0-F034-43D7-BF9F-75AFFDD31FE2}"/>
               </a:ext>
             </a:extLst>
           </p:cNvPr>
@@ -6115,7 +6138,7 @@
           <p:cNvPr id="6" name="Connector: Elbow 5">
             <a:extLst>
               <a:ext uri="{FF2B5EF4-FFF2-40B4-BE49-F238E27FC236}">
-                <a16:creationId xmlns:a16="http://schemas.microsoft.com/office/drawing/2014/main" id="{2B56071C-2A43-4A83-89FC-74949F1771E1}"/>
+                <a16:creationId xmlns:a16="http://schemas.microsoft.com/office/drawing/2014/main" xmlns="" id="{2B56071C-2A43-4A83-89FC-74949F1771E1}"/>
               </a:ext>
             </a:extLst>
           </p:cNvPr>
@@ -6154,7 +6177,7 @@
           <p:cNvPr id="10" name="Connector: Elbow 9">
             <a:extLst>
               <a:ext uri="{FF2B5EF4-FFF2-40B4-BE49-F238E27FC236}">
-                <a16:creationId xmlns:a16="http://schemas.microsoft.com/office/drawing/2014/main" id="{BF0A0A3B-7849-480F-AA1B-8481E958A227}"/>
+                <a16:creationId xmlns:a16="http://schemas.microsoft.com/office/drawing/2014/main" xmlns="" id="{BF0A0A3B-7849-480F-AA1B-8481E958A227}"/>
               </a:ext>
             </a:extLst>
           </p:cNvPr>
@@ -6263,7 +6286,7 @@
           <p:cNvPr id="37" name="TextBox 36">
             <a:extLst>
               <a:ext uri="{FF2B5EF4-FFF2-40B4-BE49-F238E27FC236}">
-                <a16:creationId xmlns:a16="http://schemas.microsoft.com/office/drawing/2014/main" id="{E8CAC22F-1542-4031-BC6C-A16989886504}"/>
+                <a16:creationId xmlns:a16="http://schemas.microsoft.com/office/drawing/2014/main" xmlns="" id="{E8CAC22F-1542-4031-BC6C-A16989886504}"/>
               </a:ext>
             </a:extLst>
           </p:cNvPr>
@@ -6316,7 +6339,7 @@
           <p:cNvPr id="40" name="Picture 39">
             <a:extLst>
               <a:ext uri="{FF2B5EF4-FFF2-40B4-BE49-F238E27FC236}">
-                <a16:creationId xmlns:a16="http://schemas.microsoft.com/office/drawing/2014/main" id="{DA60E6FB-8C44-4FEB-B6E9-83DA908565CD}"/>
+                <a16:creationId xmlns:a16="http://schemas.microsoft.com/office/drawing/2014/main" xmlns="" id="{DA60E6FB-8C44-4FEB-B6E9-83DA908565CD}"/>
               </a:ext>
             </a:extLst>
           </p:cNvPr>
@@ -6352,7 +6375,7 @@
           <p:cNvPr id="41" name="Straight Connector 40">
             <a:extLst>
               <a:ext uri="{FF2B5EF4-FFF2-40B4-BE49-F238E27FC236}">
-                <a16:creationId xmlns:a16="http://schemas.microsoft.com/office/drawing/2014/main" id="{3B3B7D73-CAE9-45AC-ACCE-FAEF4E505C7A}"/>
+                <a16:creationId xmlns:a16="http://schemas.microsoft.com/office/drawing/2014/main" xmlns="" id="{3B3B7D73-CAE9-45AC-ACCE-FAEF4E505C7A}"/>
               </a:ext>
             </a:extLst>
           </p:cNvPr>
@@ -6388,7 +6411,7 @@
           <p:cNvPr id="12" name="TextBox 11">
             <a:extLst>
               <a:ext uri="{FF2B5EF4-FFF2-40B4-BE49-F238E27FC236}">
-                <a16:creationId xmlns:a16="http://schemas.microsoft.com/office/drawing/2014/main" id="{44973490-C9B4-4D32-9D47-478FF65EB42B}"/>
+                <a16:creationId xmlns:a16="http://schemas.microsoft.com/office/drawing/2014/main" xmlns="" id="{44973490-C9B4-4D32-9D47-478FF65EB42B}"/>
               </a:ext>
             </a:extLst>
           </p:cNvPr>
@@ -6398,7 +6421,7 @@
         <p:spPr>
           <a:xfrm>
             <a:off x="111967" y="920366"/>
-            <a:ext cx="11616612" cy="2862322"/>
+            <a:ext cx="11616612" cy="3139321"/>
           </a:xfrm>
           <a:prstGeom prst="rect">
             <a:avLst/>
@@ -6420,7 +6443,7 @@
             </a:r>
           </a:p>
           <a:p>
-            <a:pPr algn="l"/>
+            <a:pPr algn="just"/>
             <a:endParaRPr lang="en-US" sz="1800" b="0" i="0" u="none" strike="noStrike" baseline="0" dirty="0">
               <a:latin typeface="CIDFont+F5"/>
             </a:endParaRPr>
@@ -6440,14 +6463,11 @@
               <a:t>Create New version from Actuals called </a:t>
             </a:r>
             <a:r>
-              <a:rPr lang="en-US" sz="1800" b="0" i="0" u="none" strike="noStrike" baseline="0" dirty="0" err="1">
+              <a:rPr lang="en-US" sz="1800" b="0" i="0" u="none" strike="noStrike" baseline="0" dirty="0">
                 <a:latin typeface="CIDFont+F8"/>
               </a:rPr>
               <a:t>Marketing_Exp_FTE</a:t>
             </a:r>
-            <a:endParaRPr lang="en-US" sz="1800" b="0" i="0" u="none" strike="noStrike" baseline="0" dirty="0">
-              <a:latin typeface="CIDFont+F8"/>
-            </a:endParaRPr>
           </a:p>
           <a:p>
             <a:pPr algn="l"/>
@@ -6491,31 +6511,19 @@
               <a:rPr lang="en-US" sz="1800" b="0" i="0" u="none" strike="noStrike" baseline="0" dirty="0">
                 <a:latin typeface="CIDFont+F5"/>
               </a:rPr>
-              <a:t>Create new </a:t>
-            </a:r>
-            <a:r>
-              <a:rPr lang="en-US" sz="1800" b="0" i="0" u="none" strike="noStrike" baseline="0" dirty="0" err="1">
-                <a:latin typeface="CIDFont+F5"/>
-              </a:rPr>
-              <a:t>Process</a:t>
-            </a:r>
-            <a:r>
-              <a:rPr lang="en-US" sz="1800" b="0" i="0" u="none" strike="noStrike" baseline="0" dirty="0" err="1">
+              <a:t>Create new Process</a:t>
+            </a:r>
+            <a:r>
+              <a:rPr lang="en-US" sz="1800" b="0" i="0" u="none" strike="noStrike" baseline="0" dirty="0">
                 <a:latin typeface="CIDFont+F9"/>
               </a:rPr>
               <a:t></a:t>
             </a:r>
             <a:r>
-              <a:rPr lang="en-US" sz="1800" b="0" i="0" u="none" strike="noStrike" baseline="0" dirty="0" err="1">
-                <a:latin typeface="CIDFont+F5"/>
-              </a:rPr>
-              <a:t>Allocation</a:t>
-            </a:r>
-            <a:r>
               <a:rPr lang="en-US" sz="1800" b="0" i="0" u="none" strike="noStrike" baseline="0" dirty="0">
                 <a:latin typeface="CIDFont+F5"/>
               </a:rPr>
-              <a:t> Step</a:t>
+              <a:t>Allocation Step</a:t>
             </a:r>
           </a:p>
           <a:p>
@@ -6544,7 +6552,7 @@
           <p:cNvPr id="14" name="TextBox 13">
             <a:extLst>
               <a:ext uri="{FF2B5EF4-FFF2-40B4-BE49-F238E27FC236}">
-                <a16:creationId xmlns:a16="http://schemas.microsoft.com/office/drawing/2014/main" id="{B5F6B7C5-21E7-4C13-801E-31E5273FDAED}"/>
+                <a16:creationId xmlns:a16="http://schemas.microsoft.com/office/drawing/2014/main" xmlns="" id="{B5F6B7C5-21E7-4C13-801E-31E5273FDAED}"/>
               </a:ext>
             </a:extLst>
           </p:cNvPr>
@@ -6553,7 +6561,7 @@
         </p:nvSpPr>
         <p:spPr>
           <a:xfrm>
-            <a:off x="141285" y="3641085"/>
+            <a:off x="280982" y="3789002"/>
             <a:ext cx="6200190" cy="1292662"/>
           </a:xfrm>
           <a:prstGeom prst="rect">
@@ -6698,7 +6706,7 @@
           <p:cNvPr id="37" name="TextBox 36">
             <a:extLst>
               <a:ext uri="{FF2B5EF4-FFF2-40B4-BE49-F238E27FC236}">
-                <a16:creationId xmlns:a16="http://schemas.microsoft.com/office/drawing/2014/main" id="{E8CAC22F-1542-4031-BC6C-A16989886504}"/>
+                <a16:creationId xmlns:a16="http://schemas.microsoft.com/office/drawing/2014/main" xmlns="" id="{E8CAC22F-1542-4031-BC6C-A16989886504}"/>
               </a:ext>
             </a:extLst>
           </p:cNvPr>
@@ -6751,7 +6759,7 @@
           <p:cNvPr id="40" name="Picture 39">
             <a:extLst>
               <a:ext uri="{FF2B5EF4-FFF2-40B4-BE49-F238E27FC236}">
-                <a16:creationId xmlns:a16="http://schemas.microsoft.com/office/drawing/2014/main" id="{DA60E6FB-8C44-4FEB-B6E9-83DA908565CD}"/>
+                <a16:creationId xmlns:a16="http://schemas.microsoft.com/office/drawing/2014/main" xmlns="" id="{DA60E6FB-8C44-4FEB-B6E9-83DA908565CD}"/>
               </a:ext>
             </a:extLst>
           </p:cNvPr>
@@ -6787,7 +6795,7 @@
           <p:cNvPr id="41" name="Straight Connector 40">
             <a:extLst>
               <a:ext uri="{FF2B5EF4-FFF2-40B4-BE49-F238E27FC236}">
-                <a16:creationId xmlns:a16="http://schemas.microsoft.com/office/drawing/2014/main" id="{3B3B7D73-CAE9-45AC-ACCE-FAEF4E505C7A}"/>
+                <a16:creationId xmlns:a16="http://schemas.microsoft.com/office/drawing/2014/main" xmlns="" id="{3B3B7D73-CAE9-45AC-ACCE-FAEF4E505C7A}"/>
               </a:ext>
             </a:extLst>
           </p:cNvPr>
@@ -6823,7 +6831,7 @@
           <p:cNvPr id="12" name="TextBox 11">
             <a:extLst>
               <a:ext uri="{FF2B5EF4-FFF2-40B4-BE49-F238E27FC236}">
-                <a16:creationId xmlns:a16="http://schemas.microsoft.com/office/drawing/2014/main" id="{44973490-C9B4-4D32-9D47-478FF65EB42B}"/>
+                <a16:creationId xmlns:a16="http://schemas.microsoft.com/office/drawing/2014/main" xmlns="" id="{44973490-C9B4-4D32-9D47-478FF65EB42B}"/>
               </a:ext>
             </a:extLst>
           </p:cNvPr>
@@ -6848,45 +6856,25 @@
           <a:p>
             <a:pPr algn="l"/>
             <a:r>
-              <a:rPr lang="en-US" sz="1800" b="0" i="0" u="none" strike="noStrike" baseline="0" dirty="0">
-                <a:latin typeface="CIDFont+F5"/>
-              </a:rPr>
+              <a:rPr lang="en-US" sz="1800" b="0" i="0" u="none" strike="noStrike" baseline="0" dirty="0"/>
               <a:t>The leads of each marketing zone’s now go back to their respective regions, the company have given them the target to sell the products, they are confused about how do they spend the budget provided for their region at the product level now. One good idea is to look at last year sales of the products and based on that allocate budget for each product accordingly. This allocation is intended to demonstrate that we can create allocations based on calculated values as well. The company is only in Apparel business in EMEA and Footwear business in APJ hence make sure we run the allocations accordingly.</a:t>
             </a:r>
           </a:p>
           <a:p>
             <a:pPr algn="l"/>
-            <a:endParaRPr lang="en-US" dirty="0">
-              <a:latin typeface="CIDFont+F5"/>
-            </a:endParaRPr>
+            <a:endParaRPr lang="en-US" dirty="0"/>
           </a:p>
           <a:p>
             <a:pPr algn="l"/>
             <a:r>
-              <a:rPr lang="en-US" sz="1800" b="0" i="0" u="none" strike="noStrike" baseline="0" dirty="0">
-                <a:latin typeface="CIDFont+F7"/>
-              </a:rPr>
-              <a:t>Sales Previous Year (DRV0110) = LOOKUP([H111100] </a:t>
-            </a:r>
-            <a:r>
-              <a:rPr lang="en-US" sz="1800" b="0" i="0" u="none" strike="noStrike" baseline="0" dirty="0">
-                <a:latin typeface="CIDFont+F11"/>
-              </a:rPr>
-              <a:t>, </a:t>
-            </a:r>
-            <a:r>
-              <a:rPr lang="en-US" sz="1800" b="0" i="0" u="none" strike="noStrike" baseline="0" dirty="0">
-                <a:latin typeface="CIDFont+F7"/>
-              </a:rPr>
-              <a:t>[d/TIME]= Previous("Year",1))</a:t>
+              <a:rPr lang="en-US" sz="1800" b="0" i="0" u="none" strike="noStrike" baseline="0" dirty="0"/>
+              <a:t>Sales Previous Year (DRV0110) = LOOKUP([H111100] , [d/TIME]= Previous("Year",1))</a:t>
             </a:r>
           </a:p>
           <a:p>
             <a:pPr algn="l"/>
             <a:r>
-              <a:rPr lang="en-US" sz="1800" b="0" i="0" u="none" strike="noStrike" baseline="0" dirty="0">
-                <a:latin typeface="CIDFont+F7"/>
-              </a:rPr>
+              <a:rPr lang="en-US" sz="1800" b="0" i="0" u="none" strike="noStrike" baseline="0" dirty="0"/>
               <a:t>Gross Sales(H111100) WHERE Time = Previous 1 Year</a:t>
             </a:r>
             <a:endParaRPr lang="en-US" dirty="0"/>
@@ -6898,7 +6886,7 @@
           <p:cNvPr id="14" name="TextBox 13">
             <a:extLst>
               <a:ext uri="{FF2B5EF4-FFF2-40B4-BE49-F238E27FC236}">
-                <a16:creationId xmlns:a16="http://schemas.microsoft.com/office/drawing/2014/main" id="{B5F6B7C5-21E7-4C13-801E-31E5273FDAED}"/>
+                <a16:creationId xmlns:a16="http://schemas.microsoft.com/office/drawing/2014/main" xmlns="" id="{B5F6B7C5-21E7-4C13-801E-31E5273FDAED}"/>
               </a:ext>
             </a:extLst>
           </p:cNvPr>
@@ -6936,7 +6924,7 @@
           <p:cNvPr id="9" name="TextBox 8">
             <a:extLst>
               <a:ext uri="{FF2B5EF4-FFF2-40B4-BE49-F238E27FC236}">
-                <a16:creationId xmlns:a16="http://schemas.microsoft.com/office/drawing/2014/main" id="{65DD2F5B-0B2C-498C-9703-16E8B2863249}"/>
+                <a16:creationId xmlns:a16="http://schemas.microsoft.com/office/drawing/2014/main" xmlns="" id="{65DD2F5B-0B2C-498C-9703-16E8B2863249}"/>
               </a:ext>
             </a:extLst>
           </p:cNvPr>
@@ -6945,7 +6933,7 @@
         </p:nvSpPr>
         <p:spPr>
           <a:xfrm>
-            <a:off x="141285" y="3315379"/>
+            <a:off x="141285" y="3156457"/>
             <a:ext cx="6200190" cy="1477328"/>
           </a:xfrm>
           <a:prstGeom prst="rect">
@@ -6961,109 +6949,36 @@
           <a:p>
             <a:pPr algn="l"/>
             <a:r>
-              <a:rPr lang="en-US" sz="1800" b="0" i="0" u="none" strike="noStrike" baseline="0" dirty="0">
-                <a:latin typeface="CIDFont+F1"/>
-              </a:rPr>
-              <a:t>- </a:t>
-            </a:r>
-            <a:r>
-              <a:rPr lang="en-US" sz="1800" b="0" i="0" u="none" strike="noStrike" baseline="0" dirty="0">
-                <a:latin typeface="CIDFont+F5"/>
-              </a:rPr>
-              <a:t>Create New version from Actuals called </a:t>
-            </a:r>
-            <a:r>
-              <a:rPr lang="en-US" sz="1800" b="0" i="0" u="none" strike="noStrike" baseline="0" dirty="0" err="1">
-                <a:latin typeface="CIDFont+F8"/>
-              </a:rPr>
-              <a:t>OPEX_By_LAST_Sales</a:t>
-            </a:r>
-            <a:endParaRPr lang="en-US" sz="1800" b="0" i="0" u="none" strike="noStrike" baseline="0" dirty="0">
-              <a:latin typeface="CIDFont+F8"/>
-            </a:endParaRPr>
+              <a:rPr lang="en-US" sz="1800" b="0" i="0" u="none" strike="noStrike" baseline="0" dirty="0"/>
+              <a:t>- Create New version from Actuals called OPEX_By_LAST_Sales</a:t>
+            </a:r>
           </a:p>
           <a:p>
             <a:pPr algn="l"/>
             <a:r>
-              <a:rPr lang="en-US" sz="1800" b="0" i="0" u="none" strike="noStrike" baseline="0" dirty="0">
-                <a:latin typeface="CIDFont+F1"/>
-              </a:rPr>
-              <a:t>- </a:t>
-            </a:r>
-            <a:r>
-              <a:rPr lang="en-US" sz="1800" b="0" i="0" u="none" strike="noStrike" baseline="0" dirty="0">
-                <a:latin typeface="CIDFont+F5"/>
-              </a:rPr>
-              <a:t>Expand and observe that Operational Expenses for products</a:t>
+              <a:rPr lang="en-US" sz="1800" b="0" i="0" u="none" strike="noStrike" baseline="0" dirty="0"/>
+              <a:t>- Expand and observe that Operational Expenses for products</a:t>
             </a:r>
           </a:p>
           <a:p>
             <a:pPr algn="l"/>
             <a:r>
-              <a:rPr lang="en-US" sz="1800" b="0" i="0" u="none" strike="noStrike" baseline="0" dirty="0">
-                <a:latin typeface="CIDFont+F1"/>
-              </a:rPr>
-              <a:t>- </a:t>
-            </a:r>
-            <a:r>
-              <a:rPr lang="en-US" sz="1800" b="0" i="0" u="none" strike="noStrike" baseline="0" dirty="0">
-                <a:latin typeface="CIDFont+F5"/>
-              </a:rPr>
-              <a:t>Show unbooked data of all Regions</a:t>
+              <a:rPr lang="en-US" sz="1800" b="0" i="0" u="none" strike="noStrike" baseline="0" dirty="0"/>
+              <a:t>- Show unbooked data of all Regions</a:t>
             </a:r>
           </a:p>
           <a:p>
             <a:pPr algn="l"/>
             <a:r>
-              <a:rPr lang="en-US" sz="1800" b="0" i="0" u="none" strike="noStrike" baseline="0" dirty="0">
-                <a:latin typeface="CIDFont+F1"/>
-              </a:rPr>
-              <a:t>- </a:t>
-            </a:r>
-            <a:r>
-              <a:rPr lang="en-US" sz="1800" b="0" i="0" u="none" strike="noStrike" baseline="0" dirty="0">
-                <a:latin typeface="CIDFont+F5"/>
-              </a:rPr>
-              <a:t>Create new </a:t>
-            </a:r>
-            <a:r>
-              <a:rPr lang="en-US" sz="1800" b="0" i="0" u="none" strike="noStrike" baseline="0" dirty="0" err="1">
-                <a:latin typeface="CIDFont+F5"/>
-              </a:rPr>
-              <a:t>Process</a:t>
-            </a:r>
-            <a:r>
-              <a:rPr lang="en-US" sz="1800" b="0" i="0" u="none" strike="noStrike" baseline="0" dirty="0" err="1">
-                <a:latin typeface="CIDFont+F9"/>
-              </a:rPr>
-              <a:t></a:t>
-            </a:r>
-            <a:r>
-              <a:rPr lang="en-US" sz="1800" b="0" i="0" u="none" strike="noStrike" baseline="0" dirty="0" err="1">
-                <a:latin typeface="CIDFont+F5"/>
-              </a:rPr>
-              <a:t>Allocation</a:t>
-            </a:r>
-            <a:r>
-              <a:rPr lang="en-US" sz="1800" b="0" i="0" u="none" strike="noStrike" baseline="0" dirty="0">
-                <a:latin typeface="CIDFont+F5"/>
-              </a:rPr>
-              <a:t> Step</a:t>
+              <a:rPr lang="en-US" sz="1800" b="0" i="0" u="none" strike="noStrike" baseline="0" dirty="0"/>
+              <a:t>- Create new ProcessAllocation Step</a:t>
             </a:r>
           </a:p>
           <a:p>
             <a:pPr algn="l"/>
             <a:r>
-              <a:rPr lang="en-US" sz="1800" b="0" i="0" u="none" strike="noStrike" baseline="0" dirty="0">
-                <a:latin typeface="CIDFont+F1"/>
-              </a:rPr>
-              <a:t>- </a:t>
-            </a:r>
-            <a:r>
-              <a:rPr lang="en-US" sz="1800" b="0" i="0" u="none" strike="noStrike" baseline="0" dirty="0">
-                <a:latin typeface="CIDFont+F5"/>
-              </a:rPr>
-              <a:t>Define Step the Rule in the step</a:t>
+              <a:rPr lang="en-US" sz="1800" b="0" i="0" u="none" strike="noStrike" baseline="0" dirty="0"/>
+              <a:t>- Define Step the Rule in the step</a:t>
             </a:r>
             <a:endParaRPr lang="en-US" dirty="0"/>
           </a:p>
@@ -7074,7 +6989,7 @@
           <p:cNvPr id="4" name="Picture 3">
             <a:extLst>
               <a:ext uri="{FF2B5EF4-FFF2-40B4-BE49-F238E27FC236}">
-                <a16:creationId xmlns:a16="http://schemas.microsoft.com/office/drawing/2014/main" id="{B6BCF13F-92DE-409C-93AD-21853255B96B}"/>
+                <a16:creationId xmlns:a16="http://schemas.microsoft.com/office/drawing/2014/main" xmlns="" id="{B6BCF13F-92DE-409C-93AD-21853255B96B}"/>
               </a:ext>
             </a:extLst>
           </p:cNvPr>
@@ -7104,7 +7019,7 @@
           <p:cNvPr id="6" name="Picture 5">
             <a:extLst>
               <a:ext uri="{FF2B5EF4-FFF2-40B4-BE49-F238E27FC236}">
-                <a16:creationId xmlns:a16="http://schemas.microsoft.com/office/drawing/2014/main" id="{EB544DA9-3928-40C9-A5A1-3342FAB78100}"/>
+                <a16:creationId xmlns:a16="http://schemas.microsoft.com/office/drawing/2014/main" xmlns="" id="{EB544DA9-3928-40C9-A5A1-3342FAB78100}"/>
               </a:ext>
             </a:extLst>
           </p:cNvPr>
@@ -7204,7 +7119,7 @@
           <p:cNvPr id="37" name="TextBox 36">
             <a:extLst>
               <a:ext uri="{FF2B5EF4-FFF2-40B4-BE49-F238E27FC236}">
-                <a16:creationId xmlns:a16="http://schemas.microsoft.com/office/drawing/2014/main" id="{E8CAC22F-1542-4031-BC6C-A16989886504}"/>
+                <a16:creationId xmlns:a16="http://schemas.microsoft.com/office/drawing/2014/main" xmlns="" id="{E8CAC22F-1542-4031-BC6C-A16989886504}"/>
               </a:ext>
             </a:extLst>
           </p:cNvPr>
@@ -7283,7 +7198,7 @@
           <p:cNvPr id="40" name="Picture 39">
             <a:extLst>
               <a:ext uri="{FF2B5EF4-FFF2-40B4-BE49-F238E27FC236}">
-                <a16:creationId xmlns:a16="http://schemas.microsoft.com/office/drawing/2014/main" id="{DA60E6FB-8C44-4FEB-B6E9-83DA908565CD}"/>
+                <a16:creationId xmlns:a16="http://schemas.microsoft.com/office/drawing/2014/main" xmlns="" id="{DA60E6FB-8C44-4FEB-B6E9-83DA908565CD}"/>
               </a:ext>
             </a:extLst>
           </p:cNvPr>
@@ -7319,7 +7234,7 @@
           <p:cNvPr id="41" name="Straight Connector 40">
             <a:extLst>
               <a:ext uri="{FF2B5EF4-FFF2-40B4-BE49-F238E27FC236}">
-                <a16:creationId xmlns:a16="http://schemas.microsoft.com/office/drawing/2014/main" id="{3B3B7D73-CAE9-45AC-ACCE-FAEF4E505C7A}"/>
+                <a16:creationId xmlns:a16="http://schemas.microsoft.com/office/drawing/2014/main" xmlns="" id="{3B3B7D73-CAE9-45AC-ACCE-FAEF4E505C7A}"/>
               </a:ext>
             </a:extLst>
           </p:cNvPr>
@@ -7355,7 +7270,7 @@
           <p:cNvPr id="2" name="TextBox 1">
             <a:extLst>
               <a:ext uri="{FF2B5EF4-FFF2-40B4-BE49-F238E27FC236}">
-                <a16:creationId xmlns:a16="http://schemas.microsoft.com/office/drawing/2014/main" id="{FB10A3A0-3BC8-4D12-8C90-678E5C29CA4B}"/>
+                <a16:creationId xmlns:a16="http://schemas.microsoft.com/office/drawing/2014/main" xmlns="" id="{FB10A3A0-3BC8-4D12-8C90-678E5C29CA4B}"/>
               </a:ext>
             </a:extLst>
           </p:cNvPr>
@@ -7365,7 +7280,7 @@
         <p:spPr>
           <a:xfrm>
             <a:off x="152400" y="1066801"/>
-            <a:ext cx="11887200" cy="5262979"/>
+            <a:ext cx="11887200" cy="3416320"/>
           </a:xfrm>
           <a:prstGeom prst="rect">
             <a:avLst/>
@@ -7380,11 +7295,10 @@
           <a:p>
             <a:pPr algn="l"/>
             <a:r>
-              <a:rPr lang="en-US" sz="2400" dirty="0">
+              <a:rPr lang="en-US" dirty="0">
                 <a:solidFill>
                   <a:srgbClr val="3C3C3C"/>
                 </a:solidFill>
-                <a:latin typeface="SAPRegular"/>
               </a:rPr>
               <a:t>Value driver trees (VDTs) allow visualizing the composition of a KPI and its contributing factors</a:t>
             </a:r>
@@ -7392,11 +7306,10 @@
           <a:p>
             <a:pPr algn="l"/>
             <a:r>
-              <a:rPr lang="en-US" sz="2400" dirty="0">
+              <a:rPr lang="en-US" dirty="0">
                 <a:solidFill>
                   <a:srgbClr val="3C3C3C"/>
                 </a:solidFill>
-                <a:latin typeface="SAPRegular"/>
               </a:rPr>
               <a:t>▪ A VDT shows how a KPI is calculated from other KPIs and drivers</a:t>
             </a:r>
@@ -7404,11 +7317,10 @@
           <a:p>
             <a:pPr algn="l"/>
             <a:r>
-              <a:rPr lang="en-US" sz="2400" dirty="0">
+              <a:rPr lang="en-US" dirty="0">
                 <a:solidFill>
                   <a:srgbClr val="3C3C3C"/>
                 </a:solidFill>
-                <a:latin typeface="SAPRegular"/>
               </a:rPr>
               <a:t>▪ In SAC, a value driver tree can be used to visualize existing data but also to simulate the impact of driver</a:t>
             </a:r>
@@ -7416,11 +7328,10 @@
           <a:p>
             <a:pPr algn="l"/>
             <a:r>
-              <a:rPr lang="en-US" sz="2400" dirty="0">
+              <a:rPr lang="en-US" dirty="0">
                 <a:solidFill>
                   <a:srgbClr val="3C3C3C"/>
                 </a:solidFill>
-                <a:latin typeface="SAPRegular"/>
               </a:rPr>
               <a:t>changes in real time</a:t>
             </a:r>
@@ -7428,11 +7339,10 @@
           <a:p>
             <a:pPr algn="l"/>
             <a:r>
-              <a:rPr lang="en-US" sz="2400" dirty="0">
+              <a:rPr lang="en-US" dirty="0">
                 <a:solidFill>
                   <a:srgbClr val="3C3C3C"/>
                 </a:solidFill>
-                <a:latin typeface="SAPRegular"/>
               </a:rPr>
               <a:t>▪ In planning, the VDT component can be used to create and simulate different scenarios</a:t>
             </a:r>
@@ -7440,34 +7350,31 @@
           <a:p>
             <a:pPr algn="l"/>
             <a:r>
-              <a:rPr lang="en-US" sz="2400" dirty="0">
+              <a:rPr lang="en-US" dirty="0">
                 <a:solidFill>
                   <a:srgbClr val="3C3C3C"/>
                 </a:solidFill>
-                <a:latin typeface="SAPRegular"/>
               </a:rPr>
               <a:t>▪ Value driver trees are provided as standard story widgets and can be seamlessly integrated into SAC stories</a:t>
             </a:r>
           </a:p>
           <a:p>
             <a:pPr algn="l"/>
-            <a:endParaRPr lang="en-US" sz="2400" b="0" i="0" dirty="0">
+            <a:endParaRPr lang="en-US" b="0" i="0" dirty="0">
               <a:solidFill>
                 <a:srgbClr val="3C3C3C"/>
               </a:solidFill>
               <a:effectLst/>
-              <a:latin typeface="SAPRegular"/>
             </a:endParaRPr>
           </a:p>
           <a:p>
             <a:pPr algn="l"/>
             <a:r>
-              <a:rPr lang="en-US" sz="2400" b="0" i="0" dirty="0">
+              <a:rPr lang="en-US" b="0" i="0" dirty="0">
                 <a:solidFill>
                   <a:srgbClr val="3C3C3C"/>
                 </a:solidFill>
                 <a:effectLst/>
-                <a:latin typeface="SAPRegular"/>
               </a:rPr>
               <a:t>The value driver tree is a physical representation of interdependencies in measures that is used to generate a simulated effect of changing an underlying measure onto its parent. SAP Analytics Cloud allows for slider inputs to change metrics and recalculates the whole model on its outcome. Very, very powerful and extremely helpful for simulation and planning purposes.</a:t>
             </a:r>
@@ -7490,7 +7397,7 @@
               <a:tabLst/>
               <a:defRPr/>
             </a:pPr>
-            <a:endParaRPr kumimoji="0" lang="en-US" sz="2400" b="0" i="0" u="none" strike="noStrike" kern="1200" cap="none" spc="0" normalizeH="0" baseline="0" noProof="0" dirty="0">
+            <a:endParaRPr kumimoji="0" lang="en-US" b="0" i="0" u="none" strike="noStrike" kern="1200" cap="none" spc="0" normalizeH="0" baseline="0" noProof="0" dirty="0">
               <a:ln>
                 <a:noFill/>
               </a:ln>
@@ -7500,9 +7407,6 @@
               <a:effectLst/>
               <a:uLnTx/>
               <a:uFillTx/>
-              <a:latin typeface="Calibri" panose="020F0502020204030204"/>
-              <a:ea typeface="+mn-ea"/>
-              <a:cs typeface="+mn-cs"/>
             </a:endParaRPr>
           </a:p>
         </p:txBody>
@@ -7582,7 +7486,7 @@
           <p:cNvPr id="37" name="TextBox 36">
             <a:extLst>
               <a:ext uri="{FF2B5EF4-FFF2-40B4-BE49-F238E27FC236}">
-                <a16:creationId xmlns:a16="http://schemas.microsoft.com/office/drawing/2014/main" id="{E8CAC22F-1542-4031-BC6C-A16989886504}"/>
+                <a16:creationId xmlns:a16="http://schemas.microsoft.com/office/drawing/2014/main" xmlns="" id="{E8CAC22F-1542-4031-BC6C-A16989886504}"/>
               </a:ext>
             </a:extLst>
           </p:cNvPr>
@@ -7661,7 +7565,7 @@
           <p:cNvPr id="40" name="Picture 39">
             <a:extLst>
               <a:ext uri="{FF2B5EF4-FFF2-40B4-BE49-F238E27FC236}">
-                <a16:creationId xmlns:a16="http://schemas.microsoft.com/office/drawing/2014/main" id="{DA60E6FB-8C44-4FEB-B6E9-83DA908565CD}"/>
+                <a16:creationId xmlns:a16="http://schemas.microsoft.com/office/drawing/2014/main" xmlns="" id="{DA60E6FB-8C44-4FEB-B6E9-83DA908565CD}"/>
               </a:ext>
             </a:extLst>
           </p:cNvPr>
@@ -7697,7 +7601,7 @@
           <p:cNvPr id="41" name="Straight Connector 40">
             <a:extLst>
               <a:ext uri="{FF2B5EF4-FFF2-40B4-BE49-F238E27FC236}">
-                <a16:creationId xmlns:a16="http://schemas.microsoft.com/office/drawing/2014/main" id="{3B3B7D73-CAE9-45AC-ACCE-FAEF4E505C7A}"/>
+                <a16:creationId xmlns:a16="http://schemas.microsoft.com/office/drawing/2014/main" xmlns="" id="{3B3B7D73-CAE9-45AC-ACCE-FAEF4E505C7A}"/>
               </a:ext>
             </a:extLst>
           </p:cNvPr>
@@ -7733,7 +7637,7 @@
           <p:cNvPr id="2" name="TextBox 1">
             <a:extLst>
               <a:ext uri="{FF2B5EF4-FFF2-40B4-BE49-F238E27FC236}">
-                <a16:creationId xmlns:a16="http://schemas.microsoft.com/office/drawing/2014/main" id="{FB10A3A0-3BC8-4D12-8C90-678E5C29CA4B}"/>
+                <a16:creationId xmlns:a16="http://schemas.microsoft.com/office/drawing/2014/main" xmlns="" id="{FB10A3A0-3BC8-4D12-8C90-678E5C29CA4B}"/>
               </a:ext>
             </a:extLst>
           </p:cNvPr>
@@ -7743,7 +7647,7 @@
         <p:spPr>
           <a:xfrm>
             <a:off x="152400" y="1066801"/>
-            <a:ext cx="11887200" cy="2677656"/>
+            <a:ext cx="11573435" cy="1477328"/>
           </a:xfrm>
           <a:prstGeom prst="rect">
             <a:avLst/>
@@ -7757,55 +7661,51 @@
           <a:lstStyle/>
           <a:p>
             <a:r>
-              <a:rPr lang="en-US" sz="2400" dirty="0">
+              <a:rPr lang="en-US" dirty="0">
                 <a:solidFill>
                   <a:srgbClr val="3C3C3C"/>
                 </a:solidFill>
-                <a:latin typeface="SAPRegular"/>
               </a:rPr>
               <a:t>▪ A value driver tree is a standard widget in the story</a:t>
             </a:r>
           </a:p>
           <a:p>
             <a:r>
-              <a:rPr lang="en-US" sz="2400" dirty="0">
+              <a:rPr lang="en-US" dirty="0">
                 <a:solidFill>
                   <a:srgbClr val="3C3C3C"/>
                 </a:solidFill>
-                <a:latin typeface="SAPRegular"/>
               </a:rPr>
               <a:t>▪ VDT widgets can be configured like any other story widget by adding a new component and then using the builder panel</a:t>
             </a:r>
           </a:p>
           <a:p>
-            <a:r>
-              <a:rPr lang="en-US" sz="2400" dirty="0">
+            <a:pPr algn="just"/>
+            <a:r>
+              <a:rPr lang="en-US" dirty="0">
                 <a:solidFill>
                   <a:srgbClr val="3C3C3C"/>
                 </a:solidFill>
-                <a:latin typeface="SAPRegular"/>
               </a:rPr>
               <a:t>▪ A VDT is based on a data model. The nodes of the tree correspond to KPIs defined in the account dimension</a:t>
             </a:r>
           </a:p>
           <a:p>
             <a:r>
-              <a:rPr lang="en-US" sz="2400" dirty="0">
+              <a:rPr lang="en-US" dirty="0">
                 <a:solidFill>
                   <a:srgbClr val="3C3C3C"/>
                 </a:solidFill>
-                <a:latin typeface="SAPRegular"/>
               </a:rPr>
               <a:t>▪ You can automatically generate a value driver tree from an existing model</a:t>
             </a:r>
           </a:p>
           <a:p>
             <a:r>
-              <a:rPr lang="en-US" sz="2400" dirty="0">
+              <a:rPr lang="en-US" dirty="0">
                 <a:solidFill>
                   <a:srgbClr val="3C3C3C"/>
                 </a:solidFill>
-                <a:latin typeface="SAPRegular"/>
               </a:rPr>
               <a:t>▪ Alternatively, you can start building the tree from scratch, defining the nodes manually</a:t>
             </a:r>
